--- a/OOP/Midterm/Week 6/Lecture/Abstraction and Interfaces.1 - Copy.pptx
+++ b/OOP/Midterm/Week 6/Lecture/Abstraction and Interfaces.1 - Copy.pptx
@@ -5,7 +5,7 @@
     <p:sldMasterId id="2147483648" r:id="rId1"/>
   </p:sldMasterIdLst>
   <p:notesMasterIdLst>
-    <p:notesMasterId r:id="rId9"/>
+    <p:notesMasterId r:id="rId10"/>
   </p:notesMasterIdLst>
   <p:sldIdLst>
     <p:sldId id="256" r:id="rId2"/>
@@ -15,6 +15,7 @@
     <p:sldId id="259" r:id="rId6"/>
     <p:sldId id="262" r:id="rId7"/>
     <p:sldId id="260" r:id="rId8"/>
+    <p:sldId id="263" r:id="rId9"/>
   </p:sldIdLst>
   <p:sldSz cx="12192000" cy="6858000"/>
   <p:notesSz cx="6858000" cy="9144000"/>
@@ -376,7 +377,7 @@
           <a:p>
             <a:fld id="{09872B84-9FE1-434E-A2D2-E973C393975E}" type="datetimeFigureOut">
               <a:rPr lang="en-PH" smtClean="0"/>
-              <a:t>9/17/2025</a:t>
+              <a:t>9/23/2025</a:t>
             </a:fld>
             <a:endParaRPr lang="en-PH"/>
           </a:p>
@@ -1112,6 +1113,114 @@
 </p:notes>
 </file>
 
+<file path=ppt/notesSlides/notesSlide6.xml><?xml version="1.0" encoding="utf-8"?>
+<p:notes xmlns:a="http://schemas.openxmlformats.org/drawingml/2006/main" xmlns:r="http://schemas.openxmlformats.org/officeDocument/2006/relationships" xmlns:p="http://schemas.openxmlformats.org/presentationml/2006/main">
+  <p:cSld>
+    <p:spTree>
+      <p:nvGrpSpPr>
+        <p:cNvPr id="1" name="">
+          <a:extLst>
+            <a:ext uri="{FF2B5EF4-FFF2-40B4-BE49-F238E27FC236}">
+              <a16:creationId xmlns:a16="http://schemas.microsoft.com/office/drawing/2014/main" id="{9CBFB215-1509-9155-96B3-A43CB4578DDC}"/>
+            </a:ext>
+          </a:extLst>
+        </p:cNvPr>
+        <p:cNvGrpSpPr/>
+        <p:nvPr/>
+      </p:nvGrpSpPr>
+      <p:grpSpPr>
+        <a:xfrm>
+          <a:off x="0" y="0"/>
+          <a:ext cx="0" cy="0"/>
+          <a:chOff x="0" y="0"/>
+          <a:chExt cx="0" cy="0"/>
+        </a:xfrm>
+      </p:grpSpPr>
+      <p:sp>
+        <p:nvSpPr>
+          <p:cNvPr id="2" name="Slide Image Placeholder 1">
+            <a:extLst>
+              <a:ext uri="{FF2B5EF4-FFF2-40B4-BE49-F238E27FC236}">
+                <a16:creationId xmlns:a16="http://schemas.microsoft.com/office/drawing/2014/main" id="{A9044C23-C2F0-3402-B1EA-99234FD478B9}"/>
+              </a:ext>
+            </a:extLst>
+          </p:cNvPr>
+          <p:cNvSpPr>
+            <a:spLocks noGrp="1" noRot="1" noChangeAspect="1"/>
+          </p:cNvSpPr>
+          <p:nvPr>
+            <p:ph type="sldImg"/>
+          </p:nvPr>
+        </p:nvSpPr>
+        <p:spPr/>
+      </p:sp>
+      <p:sp>
+        <p:nvSpPr>
+          <p:cNvPr id="3" name="Notes Placeholder 2">
+            <a:extLst>
+              <a:ext uri="{FF2B5EF4-FFF2-40B4-BE49-F238E27FC236}">
+                <a16:creationId xmlns:a16="http://schemas.microsoft.com/office/drawing/2014/main" id="{1351A96B-2A42-56B3-0776-D74108FC9895}"/>
+              </a:ext>
+            </a:extLst>
+          </p:cNvPr>
+          <p:cNvSpPr>
+            <a:spLocks noGrp="1"/>
+          </p:cNvSpPr>
+          <p:nvPr>
+            <p:ph type="body" idx="1"/>
+          </p:nvPr>
+        </p:nvSpPr>
+        <p:spPr/>
+        <p:txBody>
+          <a:bodyPr/>
+          <a:lstStyle/>
+          <a:p>
+            <a:endParaRPr lang="en-US" b="1" dirty="0"/>
+          </a:p>
+        </p:txBody>
+      </p:sp>
+      <p:sp>
+        <p:nvSpPr>
+          <p:cNvPr id="4" name="Slide Number Placeholder 3">
+            <a:extLst>
+              <a:ext uri="{FF2B5EF4-FFF2-40B4-BE49-F238E27FC236}">
+                <a16:creationId xmlns:a16="http://schemas.microsoft.com/office/drawing/2014/main" id="{FAEA3B51-DAEA-80FB-98E2-EFB1AF7046D6}"/>
+              </a:ext>
+            </a:extLst>
+          </p:cNvPr>
+          <p:cNvSpPr>
+            <a:spLocks noGrp="1"/>
+          </p:cNvSpPr>
+          <p:nvPr>
+            <p:ph type="sldNum" sz="quarter" idx="5"/>
+          </p:nvPr>
+        </p:nvSpPr>
+        <p:spPr/>
+        <p:txBody>
+          <a:bodyPr/>
+          <a:lstStyle/>
+          <a:p>
+            <a:fld id="{7FCE01B0-A621-4567-A841-5AE0E59BAFC7}" type="slidenum">
+              <a:rPr lang="en-PH" smtClean="0"/>
+              <a:t>8</a:t>
+            </a:fld>
+            <a:endParaRPr lang="en-PH"/>
+          </a:p>
+        </p:txBody>
+      </p:sp>
+    </p:spTree>
+    <p:extLst>
+      <p:ext uri="{BB962C8B-B14F-4D97-AF65-F5344CB8AC3E}">
+        <p14:creationId xmlns:p14="http://schemas.microsoft.com/office/powerpoint/2010/main" val="1452049540"/>
+      </p:ext>
+    </p:extLst>
+  </p:cSld>
+  <p:clrMapOvr>
+    <a:masterClrMapping/>
+  </p:clrMapOvr>
+</p:notes>
+</file>
+
 <file path=ppt/slideLayouts/slideLayout1.xml><?xml version="1.0" encoding="utf-8"?>
 <p:sldLayout xmlns:a="http://schemas.openxmlformats.org/drawingml/2006/main" xmlns:r="http://schemas.openxmlformats.org/officeDocument/2006/relationships" xmlns:p="http://schemas.openxmlformats.org/presentationml/2006/main" type="title" preserve="1">
   <p:cSld name="Title Slide">
@@ -1261,7 +1370,7 @@
           <a:p>
             <a:fld id="{97777D41-A4CA-47AC-B7F9-CEF2233B7831}" type="datetimeFigureOut">
               <a:rPr lang="en-PH" smtClean="0"/>
-              <a:t>9/17/2025</a:t>
+              <a:t>9/23/2025</a:t>
             </a:fld>
             <a:endParaRPr lang="en-PH"/>
           </a:p>
@@ -1461,7 +1570,7 @@
           <a:p>
             <a:fld id="{97777D41-A4CA-47AC-B7F9-CEF2233B7831}" type="datetimeFigureOut">
               <a:rPr lang="en-PH" smtClean="0"/>
-              <a:t>9/17/2025</a:t>
+              <a:t>9/23/2025</a:t>
             </a:fld>
             <a:endParaRPr lang="en-PH"/>
           </a:p>
@@ -1671,7 +1780,7 @@
           <a:p>
             <a:fld id="{97777D41-A4CA-47AC-B7F9-CEF2233B7831}" type="datetimeFigureOut">
               <a:rPr lang="en-PH" smtClean="0"/>
-              <a:t>9/17/2025</a:t>
+              <a:t>9/23/2025</a:t>
             </a:fld>
             <a:endParaRPr lang="en-PH"/>
           </a:p>
@@ -1871,7 +1980,7 @@
           <a:p>
             <a:fld id="{97777D41-A4CA-47AC-B7F9-CEF2233B7831}" type="datetimeFigureOut">
               <a:rPr lang="en-PH" smtClean="0"/>
-              <a:t>9/17/2025</a:t>
+              <a:t>9/23/2025</a:t>
             </a:fld>
             <a:endParaRPr lang="en-PH"/>
           </a:p>
@@ -2147,7 +2256,7 @@
           <a:p>
             <a:fld id="{97777D41-A4CA-47AC-B7F9-CEF2233B7831}" type="datetimeFigureOut">
               <a:rPr lang="en-PH" smtClean="0"/>
-              <a:t>9/17/2025</a:t>
+              <a:t>9/23/2025</a:t>
             </a:fld>
             <a:endParaRPr lang="en-PH"/>
           </a:p>
@@ -2415,7 +2524,7 @@
           <a:p>
             <a:fld id="{97777D41-A4CA-47AC-B7F9-CEF2233B7831}" type="datetimeFigureOut">
               <a:rPr lang="en-PH" smtClean="0"/>
-              <a:t>9/17/2025</a:t>
+              <a:t>9/23/2025</a:t>
             </a:fld>
             <a:endParaRPr lang="en-PH"/>
           </a:p>
@@ -2830,7 +2939,7 @@
           <a:p>
             <a:fld id="{97777D41-A4CA-47AC-B7F9-CEF2233B7831}" type="datetimeFigureOut">
               <a:rPr lang="en-PH" smtClean="0"/>
-              <a:t>9/17/2025</a:t>
+              <a:t>9/23/2025</a:t>
             </a:fld>
             <a:endParaRPr lang="en-PH"/>
           </a:p>
@@ -2972,7 +3081,7 @@
           <a:p>
             <a:fld id="{97777D41-A4CA-47AC-B7F9-CEF2233B7831}" type="datetimeFigureOut">
               <a:rPr lang="en-PH" smtClean="0"/>
-              <a:t>9/17/2025</a:t>
+              <a:t>9/23/2025</a:t>
             </a:fld>
             <a:endParaRPr lang="en-PH"/>
           </a:p>
@@ -3085,7 +3194,7 @@
           <a:p>
             <a:fld id="{97777D41-A4CA-47AC-B7F9-CEF2233B7831}" type="datetimeFigureOut">
               <a:rPr lang="en-PH" smtClean="0"/>
-              <a:t>9/17/2025</a:t>
+              <a:t>9/23/2025</a:t>
             </a:fld>
             <a:endParaRPr lang="en-PH"/>
           </a:p>
@@ -3398,7 +3507,7 @@
           <a:p>
             <a:fld id="{97777D41-A4CA-47AC-B7F9-CEF2233B7831}" type="datetimeFigureOut">
               <a:rPr lang="en-PH" smtClean="0"/>
-              <a:t>9/17/2025</a:t>
+              <a:t>9/23/2025</a:t>
             </a:fld>
             <a:endParaRPr lang="en-PH"/>
           </a:p>
@@ -3687,7 +3796,7 @@
           <a:p>
             <a:fld id="{97777D41-A4CA-47AC-B7F9-CEF2233B7831}" type="datetimeFigureOut">
               <a:rPr lang="en-PH" smtClean="0"/>
-              <a:t>9/17/2025</a:t>
+              <a:t>9/23/2025</a:t>
             </a:fld>
             <a:endParaRPr lang="en-PH"/>
           </a:p>
@@ -3930,7 +4039,7 @@
           <a:p>
             <a:fld id="{97777D41-A4CA-47AC-B7F9-CEF2233B7831}" type="datetimeFigureOut">
               <a:rPr lang="en-PH" smtClean="0"/>
-              <a:t>9/17/2025</a:t>
+              <a:t>9/23/2025</a:t>
             </a:fld>
             <a:endParaRPr lang="en-PH"/>
           </a:p>
@@ -6158,6 +6267,455 @@
     <p:extLst>
       <p:ext uri="{BB962C8B-B14F-4D97-AF65-F5344CB8AC3E}">
         <p14:creationId xmlns:p14="http://schemas.microsoft.com/office/powerpoint/2010/main" val="1291425566"/>
+      </p:ext>
+    </p:extLst>
+  </p:cSld>
+  <p:clrMapOvr>
+    <a:masterClrMapping/>
+  </p:clrMapOvr>
+</p:sld>
+</file>
+
+<file path=ppt/slides/slide8.xml><?xml version="1.0" encoding="utf-8"?>
+<p:sld xmlns:a="http://schemas.openxmlformats.org/drawingml/2006/main" xmlns:r="http://schemas.openxmlformats.org/officeDocument/2006/relationships" xmlns:p="http://schemas.openxmlformats.org/presentationml/2006/main">
+  <p:cSld>
+    <p:spTree>
+      <p:nvGrpSpPr>
+        <p:cNvPr id="1" name="">
+          <a:extLst>
+            <a:ext uri="{FF2B5EF4-FFF2-40B4-BE49-F238E27FC236}">
+              <a16:creationId xmlns:a16="http://schemas.microsoft.com/office/drawing/2014/main" id="{0BB6C3F4-1A16-0989-8EAA-A1D8A1D4C386}"/>
+            </a:ext>
+          </a:extLst>
+        </p:cNvPr>
+        <p:cNvGrpSpPr/>
+        <p:nvPr/>
+      </p:nvGrpSpPr>
+      <p:grpSpPr>
+        <a:xfrm>
+          <a:off x="0" y="0"/>
+          <a:ext cx="0" cy="0"/>
+          <a:chOff x="0" y="0"/>
+          <a:chExt cx="0" cy="0"/>
+        </a:xfrm>
+      </p:grpSpPr>
+      <p:sp>
+        <p:nvSpPr>
+          <p:cNvPr id="6" name="Rectangle 5">
+            <a:extLst>
+              <a:ext uri="{FF2B5EF4-FFF2-40B4-BE49-F238E27FC236}">
+                <a16:creationId xmlns:a16="http://schemas.microsoft.com/office/drawing/2014/main" id="{6CEAD75B-AB74-4EAA-A3EC-E0999335D611}"/>
+              </a:ext>
+            </a:extLst>
+          </p:cNvPr>
+          <p:cNvSpPr/>
+          <p:nvPr/>
+        </p:nvSpPr>
+        <p:spPr>
+          <a:xfrm>
+            <a:off x="-32657" y="429985"/>
+            <a:ext cx="12224657" cy="854529"/>
+          </a:xfrm>
+          <a:prstGeom prst="rect">
+            <a:avLst/>
+          </a:prstGeom>
+          <a:solidFill>
+            <a:srgbClr val="000269"/>
+          </a:solidFill>
+          <a:ln>
+            <a:noFill/>
+          </a:ln>
+        </p:spPr>
+        <p:style>
+          <a:lnRef idx="2">
+            <a:schemeClr val="accent1">
+              <a:shade val="15000"/>
+            </a:schemeClr>
+          </a:lnRef>
+          <a:fillRef idx="1">
+            <a:schemeClr val="accent1"/>
+          </a:fillRef>
+          <a:effectRef idx="0">
+            <a:schemeClr val="accent1"/>
+          </a:effectRef>
+          <a:fontRef idx="minor">
+            <a:schemeClr val="lt1"/>
+          </a:fontRef>
+        </p:style>
+        <p:txBody>
+          <a:bodyPr rtlCol="0" anchor="ctr"/>
+          <a:lstStyle/>
+          <a:p>
+            <a:pPr algn="ctr"/>
+            <a:endParaRPr lang="en-PH"/>
+          </a:p>
+        </p:txBody>
+      </p:sp>
+      <p:pic>
+        <p:nvPicPr>
+          <p:cNvPr id="5" name="Picture 4">
+            <a:extLst>
+              <a:ext uri="{FF2B5EF4-FFF2-40B4-BE49-F238E27FC236}">
+                <a16:creationId xmlns:a16="http://schemas.microsoft.com/office/drawing/2014/main" id="{A7C252B3-6842-0F9F-08B9-965FA13C4496}"/>
+              </a:ext>
+            </a:extLst>
+          </p:cNvPr>
+          <p:cNvPicPr>
+            <a:picLocks noChangeAspect="1"/>
+          </p:cNvPicPr>
+          <p:nvPr/>
+        </p:nvPicPr>
+        <p:blipFill>
+          <a:blip r:embed="rId3">
+            <a:extLst>
+              <a:ext uri="{28A0092B-C50C-407E-A947-70E740481C1C}">
+                <a14:useLocalDpi xmlns:a14="http://schemas.microsoft.com/office/drawing/2010/main" val="0"/>
+              </a:ext>
+            </a:extLst>
+          </a:blip>
+          <a:stretch>
+            <a:fillRect/>
+          </a:stretch>
+        </p:blipFill>
+        <p:spPr>
+          <a:xfrm>
+            <a:off x="358858" y="274492"/>
+            <a:ext cx="1165511" cy="1165511"/>
+          </a:xfrm>
+          <a:prstGeom prst="rect">
+            <a:avLst/>
+          </a:prstGeom>
+        </p:spPr>
+      </p:pic>
+      <p:sp>
+        <p:nvSpPr>
+          <p:cNvPr id="7" name="TextBox 6">
+            <a:extLst>
+              <a:ext uri="{FF2B5EF4-FFF2-40B4-BE49-F238E27FC236}">
+                <a16:creationId xmlns:a16="http://schemas.microsoft.com/office/drawing/2014/main" id="{37DE06D5-DB4F-F8D6-C7CF-DCA24DC6847D}"/>
+              </a:ext>
+            </a:extLst>
+          </p:cNvPr>
+          <p:cNvSpPr txBox="1"/>
+          <p:nvPr/>
+        </p:nvSpPr>
+        <p:spPr>
+          <a:xfrm>
+            <a:off x="2477730" y="534081"/>
+            <a:ext cx="6487886" cy="646331"/>
+          </a:xfrm>
+          <a:prstGeom prst="rect">
+            <a:avLst/>
+          </a:prstGeom>
+          <a:noFill/>
+        </p:spPr>
+        <p:txBody>
+          <a:bodyPr wrap="square" rtlCol="0">
+            <a:spAutoFit/>
+          </a:bodyPr>
+          <a:lstStyle/>
+          <a:p>
+            <a:r>
+              <a:rPr lang="en-US" sz="3600" dirty="0">
+                <a:solidFill>
+                  <a:schemeClr val="bg1"/>
+                </a:solidFill>
+                <a:latin typeface="Arial Black" panose="020B0A04020102020204" pitchFamily="34" charset="0"/>
+              </a:rPr>
+              <a:t>Abstract vs Interfaces</a:t>
+            </a:r>
+            <a:endParaRPr lang="en-PH" sz="3600" b="1" dirty="0">
+              <a:solidFill>
+                <a:schemeClr val="bg1"/>
+              </a:solidFill>
+              <a:latin typeface="Arial Black" panose="020B0A04020102020204" pitchFamily="34" charset="0"/>
+              <a:cs typeface="Arial" panose="020B0604020202020204" pitchFamily="34" charset="0"/>
+            </a:endParaRPr>
+          </a:p>
+        </p:txBody>
+      </p:sp>
+      <p:graphicFrame>
+        <p:nvGraphicFramePr>
+          <p:cNvPr id="2" name="Table 1">
+            <a:extLst>
+              <a:ext uri="{FF2B5EF4-FFF2-40B4-BE49-F238E27FC236}">
+                <a16:creationId xmlns:a16="http://schemas.microsoft.com/office/drawing/2014/main" id="{8DAC4B5D-AF8D-24DA-6D8E-DF3EB6B1CE7D}"/>
+              </a:ext>
+            </a:extLst>
+          </p:cNvPr>
+          <p:cNvGraphicFramePr>
+            <a:graphicFrameLocks noGrp="1"/>
+          </p:cNvGraphicFramePr>
+          <p:nvPr>
+            <p:extLst>
+              <p:ext uri="{D42A27DB-BD31-4B8C-83A1-F6EECF244321}">
+                <p14:modId xmlns:p14="http://schemas.microsoft.com/office/powerpoint/2010/main" val="2953803641"/>
+              </p:ext>
+            </p:extLst>
+          </p:nvPr>
+        </p:nvGraphicFramePr>
+        <p:xfrm>
+          <a:off x="838200" y="1825625"/>
+          <a:ext cx="9622399" cy="2590800"/>
+        </p:xfrm>
+        <a:graphic>
+          <a:graphicData uri="http://schemas.openxmlformats.org/drawingml/2006/table">
+            <a:tbl>
+              <a:tblPr firstRow="1" bandRow="1">
+                <a:tableStyleId>{0E3FDE45-AF77-4B5C-9715-49D594BDF05E}</a:tableStyleId>
+              </a:tblPr>
+              <a:tblGrid>
+                <a:gridCol w="3985710">
+                  <a:extLst>
+                    <a:ext uri="{9D8B030D-6E8A-4147-A177-3AD203B41FA5}">
+                      <a16:colId xmlns:a16="http://schemas.microsoft.com/office/drawing/2014/main" val="2834731371"/>
+                    </a:ext>
+                  </a:extLst>
+                </a:gridCol>
+                <a:gridCol w="3318899">
+                  <a:extLst>
+                    <a:ext uri="{9D8B030D-6E8A-4147-A177-3AD203B41FA5}">
+                      <a16:colId xmlns:a16="http://schemas.microsoft.com/office/drawing/2014/main" val="2746217136"/>
+                    </a:ext>
+                  </a:extLst>
+                </a:gridCol>
+                <a:gridCol w="2317790">
+                  <a:extLst>
+                    <a:ext uri="{9D8B030D-6E8A-4147-A177-3AD203B41FA5}">
+                      <a16:colId xmlns:a16="http://schemas.microsoft.com/office/drawing/2014/main" val="3256288773"/>
+                    </a:ext>
+                  </a:extLst>
+                </a:gridCol>
+              </a:tblGrid>
+              <a:tr h="647700">
+                <a:tc>
+                  <a:txBody>
+                    <a:bodyPr/>
+                    <a:lstStyle/>
+                    <a:p>
+                      <a:pPr>
+                        <a:buNone/>
+                      </a:pPr>
+                      <a:r>
+                        <a:rPr lang="en-US" dirty="0"/>
+                        <a:t>Feature</a:t>
+                      </a:r>
+                    </a:p>
+                  </a:txBody>
+                  <a:tcPr anchor="ctr"/>
+                </a:tc>
+                <a:tc>
+                  <a:txBody>
+                    <a:bodyPr/>
+                    <a:lstStyle/>
+                    <a:p>
+                      <a:pPr>
+                        <a:buNone/>
+                      </a:pPr>
+                      <a:r>
+                        <a:rPr lang="en-US" dirty="0"/>
+                        <a:t>Abstract Class</a:t>
+                      </a:r>
+                    </a:p>
+                  </a:txBody>
+                  <a:tcPr anchor="ctr"/>
+                </a:tc>
+                <a:tc>
+                  <a:txBody>
+                    <a:bodyPr/>
+                    <a:lstStyle/>
+                    <a:p>
+                      <a:pPr>
+                        <a:buNone/>
+                      </a:pPr>
+                      <a:r>
+                        <a:rPr lang="en-US" dirty="0"/>
+                        <a:t>Interface</a:t>
+                      </a:r>
+                    </a:p>
+                  </a:txBody>
+                  <a:tcPr anchor="ctr"/>
+                </a:tc>
+                <a:extLst>
+                  <a:ext uri="{0D108BD9-81ED-4DB2-BD59-A6C34878D82A}">
+                    <a16:rowId xmlns:a16="http://schemas.microsoft.com/office/drawing/2014/main" val="2576296670"/>
+                  </a:ext>
+                </a:extLst>
+              </a:tr>
+              <a:tr h="647700">
+                <a:tc>
+                  <a:txBody>
+                    <a:bodyPr/>
+                    <a:lstStyle/>
+                    <a:p>
+                      <a:pPr>
+                        <a:buNone/>
+                      </a:pPr>
+                      <a:r>
+                        <a:rPr lang="en-US" dirty="0"/>
+                        <a:t>Can have method bodies</a:t>
+                      </a:r>
+                    </a:p>
+                  </a:txBody>
+                  <a:tcPr anchor="ctr"/>
+                </a:tc>
+                <a:tc>
+                  <a:txBody>
+                    <a:bodyPr/>
+                    <a:lstStyle/>
+                    <a:p>
+                      <a:r>
+                        <a:rPr lang="en-GB" dirty="0"/>
+                        <a:t>Y</a:t>
+                      </a:r>
+                      <a:r>
+                        <a:rPr lang="en-US" dirty="0"/>
+                        <a:t>es</a:t>
+                      </a:r>
+                    </a:p>
+                  </a:txBody>
+                  <a:tcPr anchor="ctr"/>
+                </a:tc>
+                <a:tc>
+                  <a:txBody>
+                    <a:bodyPr/>
+                    <a:lstStyle/>
+                    <a:p>
+                      <a:r>
+                        <a:rPr lang="en-GB" dirty="0"/>
+                        <a:t>N</a:t>
+                      </a:r>
+                      <a:r>
+                        <a:rPr lang="en-US" dirty="0"/>
+                        <a:t>o</a:t>
+                      </a:r>
+                    </a:p>
+                  </a:txBody>
+                  <a:tcPr anchor="ctr"/>
+                </a:tc>
+                <a:extLst>
+                  <a:ext uri="{0D108BD9-81ED-4DB2-BD59-A6C34878D82A}">
+                    <a16:rowId xmlns:a16="http://schemas.microsoft.com/office/drawing/2014/main" val="1519245024"/>
+                  </a:ext>
+                </a:extLst>
+              </a:tr>
+              <a:tr h="647700">
+                <a:tc>
+                  <a:txBody>
+                    <a:bodyPr/>
+                    <a:lstStyle/>
+                    <a:p>
+                      <a:pPr>
+                        <a:buNone/>
+                      </a:pPr>
+                      <a:r>
+                        <a:rPr lang="en-US" dirty="0"/>
+                        <a:t>Can have properties</a:t>
+                      </a:r>
+                    </a:p>
+                  </a:txBody>
+                  <a:tcPr anchor="ctr"/>
+                </a:tc>
+                <a:tc>
+                  <a:txBody>
+                    <a:bodyPr/>
+                    <a:lstStyle/>
+                    <a:p>
+                      <a:r>
+                        <a:rPr lang="en-GB" dirty="0"/>
+                        <a:t>Y</a:t>
+                      </a:r>
+                      <a:r>
+                        <a:rPr lang="en-US" dirty="0"/>
+                        <a:t>es</a:t>
+                      </a:r>
+                    </a:p>
+                  </a:txBody>
+                  <a:tcPr anchor="ctr"/>
+                </a:tc>
+                <a:tc>
+                  <a:txBody>
+                    <a:bodyPr/>
+                    <a:lstStyle/>
+                    <a:p>
+                      <a:r>
+                        <a:rPr lang="en-GB" dirty="0"/>
+                        <a:t>N</a:t>
+                      </a:r>
+                      <a:r>
+                        <a:rPr lang="en-US" dirty="0"/>
+                        <a:t>o</a:t>
+                      </a:r>
+                    </a:p>
+                  </a:txBody>
+                  <a:tcPr anchor="ctr"/>
+                </a:tc>
+                <a:extLst>
+                  <a:ext uri="{0D108BD9-81ED-4DB2-BD59-A6C34878D82A}">
+                    <a16:rowId xmlns:a16="http://schemas.microsoft.com/office/drawing/2014/main" val="839342532"/>
+                  </a:ext>
+                </a:extLst>
+              </a:tr>
+              <a:tr h="647700">
+                <a:tc>
+                  <a:txBody>
+                    <a:bodyPr/>
+                    <a:lstStyle/>
+                    <a:p>
+                      <a:r>
+                        <a:rPr lang="en-US" dirty="0"/>
+                        <a:t>Purpose</a:t>
+                      </a:r>
+                    </a:p>
+                  </a:txBody>
+                  <a:tcPr anchor="ctr"/>
+                </a:tc>
+                <a:tc>
+                  <a:txBody>
+                    <a:bodyPr/>
+                    <a:lstStyle/>
+                    <a:p>
+                      <a:pPr>
+                        <a:buNone/>
+                      </a:pPr>
+                      <a:r>
+                        <a:rPr lang="en-US" dirty="0"/>
+                        <a:t>Base class with logic</a:t>
+                      </a:r>
+                    </a:p>
+                  </a:txBody>
+                  <a:tcPr anchor="ctr"/>
+                </a:tc>
+                <a:tc>
+                  <a:txBody>
+                    <a:bodyPr/>
+                    <a:lstStyle/>
+                    <a:p>
+                      <a:pPr>
+                        <a:buNone/>
+                      </a:pPr>
+                      <a:r>
+                        <a:rPr lang="en-US" dirty="0"/>
+                        <a:t>Strict contract/structure</a:t>
+                      </a:r>
+                    </a:p>
+                  </a:txBody>
+                  <a:tcPr anchor="ctr"/>
+                </a:tc>
+                <a:extLst>
+                  <a:ext uri="{0D108BD9-81ED-4DB2-BD59-A6C34878D82A}">
+                    <a16:rowId xmlns:a16="http://schemas.microsoft.com/office/drawing/2014/main" val="2993852429"/>
+                  </a:ext>
+                </a:extLst>
+              </a:tr>
+            </a:tbl>
+          </a:graphicData>
+        </a:graphic>
+      </p:graphicFrame>
+    </p:spTree>
+    <p:extLst>
+      <p:ext uri="{BB962C8B-B14F-4D97-AF65-F5344CB8AC3E}">
+        <p14:creationId xmlns:p14="http://schemas.microsoft.com/office/powerpoint/2010/main" val="1418097978"/>
       </p:ext>
     </p:extLst>
   </p:cSld>

--- a/OOP/Midterm/Week 6/Lecture/Abstraction and Interfaces.1 - Copy.pptx
+++ b/OOP/Midterm/Week 6/Lecture/Abstraction and Interfaces.1 - Copy.pptx
@@ -377,7 +377,7 @@
           <a:p>
             <a:fld id="{09872B84-9FE1-434E-A2D2-E973C393975E}" type="datetimeFigureOut">
               <a:rPr lang="en-PH" smtClean="0"/>
-              <a:t>9/23/2025</a:t>
+              <a:t>9/25/2025</a:t>
             </a:fld>
             <a:endParaRPr lang="en-PH"/>
           </a:p>
@@ -1370,7 +1370,7 @@
           <a:p>
             <a:fld id="{97777D41-A4CA-47AC-B7F9-CEF2233B7831}" type="datetimeFigureOut">
               <a:rPr lang="en-PH" smtClean="0"/>
-              <a:t>9/23/2025</a:t>
+              <a:t>9/25/2025</a:t>
             </a:fld>
             <a:endParaRPr lang="en-PH"/>
           </a:p>
@@ -1570,7 +1570,7 @@
           <a:p>
             <a:fld id="{97777D41-A4CA-47AC-B7F9-CEF2233B7831}" type="datetimeFigureOut">
               <a:rPr lang="en-PH" smtClean="0"/>
-              <a:t>9/23/2025</a:t>
+              <a:t>9/25/2025</a:t>
             </a:fld>
             <a:endParaRPr lang="en-PH"/>
           </a:p>
@@ -1780,7 +1780,7 @@
           <a:p>
             <a:fld id="{97777D41-A4CA-47AC-B7F9-CEF2233B7831}" type="datetimeFigureOut">
               <a:rPr lang="en-PH" smtClean="0"/>
-              <a:t>9/23/2025</a:t>
+              <a:t>9/25/2025</a:t>
             </a:fld>
             <a:endParaRPr lang="en-PH"/>
           </a:p>
@@ -1980,7 +1980,7 @@
           <a:p>
             <a:fld id="{97777D41-A4CA-47AC-B7F9-CEF2233B7831}" type="datetimeFigureOut">
               <a:rPr lang="en-PH" smtClean="0"/>
-              <a:t>9/23/2025</a:t>
+              <a:t>9/25/2025</a:t>
             </a:fld>
             <a:endParaRPr lang="en-PH"/>
           </a:p>
@@ -2256,7 +2256,7 @@
           <a:p>
             <a:fld id="{97777D41-A4CA-47AC-B7F9-CEF2233B7831}" type="datetimeFigureOut">
               <a:rPr lang="en-PH" smtClean="0"/>
-              <a:t>9/23/2025</a:t>
+              <a:t>9/25/2025</a:t>
             </a:fld>
             <a:endParaRPr lang="en-PH"/>
           </a:p>
@@ -2524,7 +2524,7 @@
           <a:p>
             <a:fld id="{97777D41-A4CA-47AC-B7F9-CEF2233B7831}" type="datetimeFigureOut">
               <a:rPr lang="en-PH" smtClean="0"/>
-              <a:t>9/23/2025</a:t>
+              <a:t>9/25/2025</a:t>
             </a:fld>
             <a:endParaRPr lang="en-PH"/>
           </a:p>
@@ -2939,7 +2939,7 @@
           <a:p>
             <a:fld id="{97777D41-A4CA-47AC-B7F9-CEF2233B7831}" type="datetimeFigureOut">
               <a:rPr lang="en-PH" smtClean="0"/>
-              <a:t>9/23/2025</a:t>
+              <a:t>9/25/2025</a:t>
             </a:fld>
             <a:endParaRPr lang="en-PH"/>
           </a:p>
@@ -3081,7 +3081,7 @@
           <a:p>
             <a:fld id="{97777D41-A4CA-47AC-B7F9-CEF2233B7831}" type="datetimeFigureOut">
               <a:rPr lang="en-PH" smtClean="0"/>
-              <a:t>9/23/2025</a:t>
+              <a:t>9/25/2025</a:t>
             </a:fld>
             <a:endParaRPr lang="en-PH"/>
           </a:p>
@@ -3194,7 +3194,7 @@
           <a:p>
             <a:fld id="{97777D41-A4CA-47AC-B7F9-CEF2233B7831}" type="datetimeFigureOut">
               <a:rPr lang="en-PH" smtClean="0"/>
-              <a:t>9/23/2025</a:t>
+              <a:t>9/25/2025</a:t>
             </a:fld>
             <a:endParaRPr lang="en-PH"/>
           </a:p>
@@ -3507,7 +3507,7 @@
           <a:p>
             <a:fld id="{97777D41-A4CA-47AC-B7F9-CEF2233B7831}" type="datetimeFigureOut">
               <a:rPr lang="en-PH" smtClean="0"/>
-              <a:t>9/23/2025</a:t>
+              <a:t>9/25/2025</a:t>
             </a:fld>
             <a:endParaRPr lang="en-PH"/>
           </a:p>
@@ -3796,7 +3796,7 @@
           <a:p>
             <a:fld id="{97777D41-A4CA-47AC-B7F9-CEF2233B7831}" type="datetimeFigureOut">
               <a:rPr lang="en-PH" smtClean="0"/>
-              <a:t>9/23/2025</a:t>
+              <a:t>9/25/2025</a:t>
             </a:fld>
             <a:endParaRPr lang="en-PH"/>
           </a:p>
@@ -4039,7 +4039,7 @@
           <a:p>
             <a:fld id="{97777D41-A4CA-47AC-B7F9-CEF2233B7831}" type="datetimeFigureOut">
               <a:rPr lang="en-PH" smtClean="0"/>
-              <a:t>9/23/2025</a:t>
+              <a:t>9/25/2025</a:t>
             </a:fld>
             <a:endParaRPr lang="en-PH"/>
           </a:p>
@@ -5975,7 +5975,7 @@
         </p:nvSpPr>
         <p:spPr>
           <a:xfrm>
-            <a:off x="1658437" y="2020473"/>
+            <a:off x="1524369" y="2041472"/>
             <a:ext cx="8480174" cy="2775055"/>
           </a:xfrm>
           <a:prstGeom prst="rect">
